--- a/dataset/misc/lssns_summary.pptx
+++ b/dataset/misc/lssns_summary.pptx
@@ -561,7 +561,7 @@
           <a:p>
             <a:fld id="{70A2EE1B-7519-4616-B088-454818D80DE2}" type="datetimeFigureOut">
               <a:rPr lang="en-US" smtClean="0"/>
-              <a:t>6/7/2022</a:t>
+              <a:t>7/31/2024</a:t>
             </a:fld>
             <a:endParaRPr lang="en-US"/>
           </a:p>
@@ -759,7 +759,7 @@
           <a:p>
             <a:fld id="{70A2EE1B-7519-4616-B088-454818D80DE2}" type="datetimeFigureOut">
               <a:rPr lang="en-US" smtClean="0"/>
-              <a:t>6/7/2022</a:t>
+              <a:t>7/31/2024</a:t>
             </a:fld>
             <a:endParaRPr lang="en-US"/>
           </a:p>
@@ -967,7 +967,7 @@
           <a:p>
             <a:fld id="{70A2EE1B-7519-4616-B088-454818D80DE2}" type="datetimeFigureOut">
               <a:rPr lang="en-US" smtClean="0"/>
-              <a:t>6/7/2022</a:t>
+              <a:t>7/31/2024</a:t>
             </a:fld>
             <a:endParaRPr lang="en-US"/>
           </a:p>
@@ -1165,7 +1165,7 @@
           <a:p>
             <a:fld id="{70A2EE1B-7519-4616-B088-454818D80DE2}" type="datetimeFigureOut">
               <a:rPr lang="en-US" smtClean="0"/>
-              <a:t>6/7/2022</a:t>
+              <a:t>7/31/2024</a:t>
             </a:fld>
             <a:endParaRPr lang="en-US"/>
           </a:p>
@@ -1440,7 +1440,7 @@
           <a:p>
             <a:fld id="{70A2EE1B-7519-4616-B088-454818D80DE2}" type="datetimeFigureOut">
               <a:rPr lang="en-US" smtClean="0"/>
-              <a:t>6/7/2022</a:t>
+              <a:t>7/31/2024</a:t>
             </a:fld>
             <a:endParaRPr lang="en-US"/>
           </a:p>
@@ -1705,7 +1705,7 @@
           <a:p>
             <a:fld id="{70A2EE1B-7519-4616-B088-454818D80DE2}" type="datetimeFigureOut">
               <a:rPr lang="en-US" smtClean="0"/>
-              <a:t>6/7/2022</a:t>
+              <a:t>7/31/2024</a:t>
             </a:fld>
             <a:endParaRPr lang="en-US"/>
           </a:p>
@@ -2117,7 +2117,7 @@
           <a:p>
             <a:fld id="{70A2EE1B-7519-4616-B088-454818D80DE2}" type="datetimeFigureOut">
               <a:rPr lang="en-US" smtClean="0"/>
-              <a:t>6/7/2022</a:t>
+              <a:t>7/31/2024</a:t>
             </a:fld>
             <a:endParaRPr lang="en-US"/>
           </a:p>
@@ -2258,7 +2258,7 @@
           <a:p>
             <a:fld id="{70A2EE1B-7519-4616-B088-454818D80DE2}" type="datetimeFigureOut">
               <a:rPr lang="en-US" smtClean="0"/>
-              <a:t>6/7/2022</a:t>
+              <a:t>7/31/2024</a:t>
             </a:fld>
             <a:endParaRPr lang="en-US"/>
           </a:p>
@@ -2371,7 +2371,7 @@
           <a:p>
             <a:fld id="{70A2EE1B-7519-4616-B088-454818D80DE2}" type="datetimeFigureOut">
               <a:rPr lang="en-US" smtClean="0"/>
-              <a:t>6/7/2022</a:t>
+              <a:t>7/31/2024</a:t>
             </a:fld>
             <a:endParaRPr lang="en-US"/>
           </a:p>
@@ -2682,7 +2682,7 @@
           <a:p>
             <a:fld id="{70A2EE1B-7519-4616-B088-454818D80DE2}" type="datetimeFigureOut">
               <a:rPr lang="en-US" smtClean="0"/>
-              <a:t>6/7/2022</a:t>
+              <a:t>7/31/2024</a:t>
             </a:fld>
             <a:endParaRPr lang="en-US"/>
           </a:p>
@@ -2970,7 +2970,7 @@
           <a:p>
             <a:fld id="{70A2EE1B-7519-4616-B088-454818D80DE2}" type="datetimeFigureOut">
               <a:rPr lang="en-US" smtClean="0"/>
-              <a:t>6/7/2022</a:t>
+              <a:t>7/31/2024</a:t>
             </a:fld>
             <a:endParaRPr lang="en-US"/>
           </a:p>
@@ -3211,7 +3211,7 @@
           <a:p>
             <a:fld id="{70A2EE1B-7519-4616-B088-454818D80DE2}" type="datetimeFigureOut">
               <a:rPr lang="en-US" smtClean="0"/>
-              <a:t>6/7/2022</a:t>
+              <a:t>7/31/2024</a:t>
             </a:fld>
             <a:endParaRPr lang="en-US"/>
           </a:p>
@@ -8747,8 +8747,8 @@
           </p:nvSpPr>
           <p:spPr>
             <a:xfrm>
-              <a:off x="3283975" y="2339429"/>
-              <a:ext cx="1266693" cy="584775"/>
+              <a:off x="3464867" y="2371401"/>
+              <a:ext cx="1011815" cy="584775"/>
             </a:xfrm>
             <a:prstGeom prst="rect">
               <a:avLst/>
@@ -8777,7 +8777,7 @@
                   </a:effectLst>
                   <a:latin typeface="Bradley Hand ITC" panose="03070402050302030203" pitchFamily="66" charset="0"/>
                 </a:rPr>
-                <a:t>MPCD</a:t>
+                <a:t>MPC</a:t>
               </a:r>
               <a:endParaRPr lang="en-US" sz="3200" b="1" cap="none" spc="0" dirty="0">
                 <a:ln w="0"/>
